--- a/materials/lectures/13-dfs/slides-wang.pptx
+++ b/materials/lectures/13-dfs/slides-wang.pptx
@@ -335,7 +335,7 @@
               <a:pPr>
                 <a:defRPr/>
               </a:pPr>
-              <a:t>5/17/2023</a:t>
+              <a:t>5/25/2023</a:t>
             </a:fld>
             <a:endParaRPr lang="en-US"/>
           </a:p>
@@ -1023,7 +1023,7 @@
               <a:pPr>
                 <a:defRPr/>
               </a:pPr>
-              <a:t>5/17/2023</a:t>
+              <a:t>5/25/2023</a:t>
             </a:fld>
             <a:endParaRPr lang="en-US"/>
           </a:p>
@@ -1267,7 +1267,7 @@
           <a:p>
             <a:fld id="{344494C4-6097-4BA9-B81C-8FE8D10E85BA}" type="datetimeFigureOut">
               <a:rPr lang="en-US" smtClean="0"/>
-              <a:t>5/17/2023</a:t>
+              <a:t>5/25/2023</a:t>
             </a:fld>
             <a:endParaRPr lang="en-US"/>
           </a:p>
@@ -1512,7 +1512,7 @@
           <a:p>
             <a:fld id="{344494C4-6097-4BA9-B81C-8FE8D10E85BA}" type="datetimeFigureOut">
               <a:rPr lang="en-US" smtClean="0"/>
-              <a:t>5/17/2023</a:t>
+              <a:t>5/25/2023</a:t>
             </a:fld>
             <a:endParaRPr lang="en-US"/>
           </a:p>
@@ -1892,7 +1892,7 @@
           <a:p>
             <a:fld id="{344494C4-6097-4BA9-B81C-8FE8D10E85BA}" type="datetimeFigureOut">
               <a:rPr lang="en-US" smtClean="0"/>
-              <a:t>5/17/2023</a:t>
+              <a:t>5/25/2023</a:t>
             </a:fld>
             <a:endParaRPr lang="en-US"/>
           </a:p>
@@ -2025,7 +2025,7 @@
           <a:p>
             <a:fld id="{344494C4-6097-4BA9-B81C-8FE8D10E85BA}" type="datetimeFigureOut">
               <a:rPr lang="en-US" smtClean="0"/>
-              <a:t>5/17/2023</a:t>
+              <a:t>5/25/2023</a:t>
             </a:fld>
             <a:endParaRPr lang="en-US"/>
           </a:p>
@@ -2136,7 +2136,7 @@
           <a:p>
             <a:fld id="{344494C4-6097-4BA9-B81C-8FE8D10E85BA}" type="datetimeFigureOut">
               <a:rPr lang="en-US" smtClean="0"/>
-              <a:t>5/17/2023</a:t>
+              <a:t>5/25/2023</a:t>
             </a:fld>
             <a:endParaRPr lang="en-US"/>
           </a:p>
@@ -2427,7 +2427,7 @@
           <a:p>
             <a:fld id="{344494C4-6097-4BA9-B81C-8FE8D10E85BA}" type="datetimeFigureOut">
               <a:rPr lang="en-US" smtClean="0"/>
-              <a:t>5/17/2023</a:t>
+              <a:t>5/25/2023</a:t>
             </a:fld>
             <a:endParaRPr lang="en-US"/>
           </a:p>
@@ -2695,7 +2695,7 @@
           <a:p>
             <a:fld id="{344494C4-6097-4BA9-B81C-8FE8D10E85BA}" type="datetimeFigureOut">
               <a:rPr lang="en-US" smtClean="0"/>
-              <a:t>5/17/2023</a:t>
+              <a:t>5/25/2023</a:t>
             </a:fld>
             <a:endParaRPr lang="en-US"/>
           </a:p>
@@ -2879,7 +2879,7 @@
           <a:p>
             <a:fld id="{344494C4-6097-4BA9-B81C-8FE8D10E85BA}" type="datetimeFigureOut">
               <a:rPr lang="en-US" smtClean="0"/>
-              <a:t>5/17/2023</a:t>
+              <a:t>5/25/2023</a:t>
             </a:fld>
             <a:endParaRPr lang="en-US"/>
           </a:p>
@@ -3073,7 +3073,7 @@
           <a:p>
             <a:fld id="{344494C4-6097-4BA9-B81C-8FE8D10E85BA}" type="datetimeFigureOut">
               <a:rPr lang="en-US" smtClean="0"/>
-              <a:t>5/17/2023</a:t>
+              <a:t>5/25/2023</a:t>
             </a:fld>
             <a:endParaRPr lang="en-US"/>
           </a:p>
@@ -3271,7 +3271,7 @@
           <a:p>
             <a:fld id="{7BF7D500-1223-4445-9EB2-2C72C770F9EB}" type="datetimeFigureOut">
               <a:rPr lang="en-US" smtClean="0"/>
-              <a:t>5/17/2023</a:t>
+              <a:t>5/25/2023</a:t>
             </a:fld>
             <a:endParaRPr lang="en-US"/>
           </a:p>
@@ -3454,7 +3454,7 @@
               <a:pPr>
                 <a:defRPr/>
               </a:pPr>
-              <a:t>5/17/2023</a:t>
+              <a:t>5/25/2023</a:t>
             </a:fld>
             <a:endParaRPr lang="en-US"/>
           </a:p>
@@ -3608,7 +3608,7 @@
           <a:p>
             <a:fld id="{7BF7D500-1223-4445-9EB2-2C72C770F9EB}" type="datetimeFigureOut">
               <a:rPr lang="en-US" smtClean="0"/>
-              <a:t>5/17/2023</a:t>
+              <a:t>5/25/2023</a:t>
             </a:fld>
             <a:endParaRPr lang="en-US"/>
           </a:p>
@@ -3853,7 +3853,7 @@
           <a:p>
             <a:fld id="{7BF7D500-1223-4445-9EB2-2C72C770F9EB}" type="datetimeFigureOut">
               <a:rPr lang="en-US" smtClean="0"/>
-              <a:t>5/17/2023</a:t>
+              <a:t>5/25/2023</a:t>
             </a:fld>
             <a:endParaRPr lang="en-US"/>
           </a:p>
@@ -4082,7 +4082,7 @@
           <a:p>
             <a:fld id="{7BF7D500-1223-4445-9EB2-2C72C770F9EB}" type="datetimeFigureOut">
               <a:rPr lang="en-US" smtClean="0"/>
-              <a:t>5/17/2023</a:t>
+              <a:t>5/25/2023</a:t>
             </a:fld>
             <a:endParaRPr lang="en-US"/>
           </a:p>
@@ -4446,7 +4446,7 @@
           <a:p>
             <a:fld id="{7BF7D500-1223-4445-9EB2-2C72C770F9EB}" type="datetimeFigureOut">
               <a:rPr lang="en-US" smtClean="0"/>
-              <a:t>5/17/2023</a:t>
+              <a:t>5/25/2023</a:t>
             </a:fld>
             <a:endParaRPr lang="en-US"/>
           </a:p>
@@ -4563,7 +4563,7 @@
           <a:p>
             <a:fld id="{7BF7D500-1223-4445-9EB2-2C72C770F9EB}" type="datetimeFigureOut">
               <a:rPr lang="en-US" smtClean="0"/>
-              <a:t>5/17/2023</a:t>
+              <a:t>5/25/2023</a:t>
             </a:fld>
             <a:endParaRPr lang="en-US"/>
           </a:p>
@@ -4658,7 +4658,7 @@
           <a:p>
             <a:fld id="{7BF7D500-1223-4445-9EB2-2C72C770F9EB}" type="datetimeFigureOut">
               <a:rPr lang="en-US" smtClean="0"/>
-              <a:t>5/17/2023</a:t>
+              <a:t>5/25/2023</a:t>
             </a:fld>
             <a:endParaRPr lang="en-US"/>
           </a:p>
@@ -4933,7 +4933,7 @@
           <a:p>
             <a:fld id="{7BF7D500-1223-4445-9EB2-2C72C770F9EB}" type="datetimeFigureOut">
               <a:rPr lang="en-US" smtClean="0"/>
-              <a:t>5/17/2023</a:t>
+              <a:t>5/25/2023</a:t>
             </a:fld>
             <a:endParaRPr lang="en-US"/>
           </a:p>
@@ -5185,7 +5185,7 @@
           <a:p>
             <a:fld id="{7BF7D500-1223-4445-9EB2-2C72C770F9EB}" type="datetimeFigureOut">
               <a:rPr lang="en-US" smtClean="0"/>
-              <a:t>5/17/2023</a:t>
+              <a:t>5/25/2023</a:t>
             </a:fld>
             <a:endParaRPr lang="en-US"/>
           </a:p>
@@ -5353,7 +5353,7 @@
           <a:p>
             <a:fld id="{7BF7D500-1223-4445-9EB2-2C72C770F9EB}" type="datetimeFigureOut">
               <a:rPr lang="en-US" smtClean="0"/>
-              <a:t>5/17/2023</a:t>
+              <a:t>5/25/2023</a:t>
             </a:fld>
             <a:endParaRPr lang="en-US"/>
           </a:p>
@@ -5531,7 +5531,7 @@
           <a:p>
             <a:fld id="{7BF7D500-1223-4445-9EB2-2C72C770F9EB}" type="datetimeFigureOut">
               <a:rPr lang="en-US" smtClean="0"/>
-              <a:t>5/17/2023</a:t>
+              <a:t>5/25/2023</a:t>
             </a:fld>
             <a:endParaRPr lang="en-US"/>
           </a:p>
@@ -5775,7 +5775,7 @@
               <a:pPr>
                 <a:defRPr/>
               </a:pPr>
-              <a:t>5/17/2023</a:t>
+              <a:t>5/25/2023</a:t>
             </a:fld>
             <a:endParaRPr lang="en-US"/>
           </a:p>
@@ -6125,7 +6125,7 @@
               <a:pPr>
                 <a:defRPr/>
               </a:pPr>
-              <a:t>5/17/2023</a:t>
+              <a:t>5/25/2023</a:t>
             </a:fld>
             <a:endParaRPr lang="en-US"/>
           </a:p>
@@ -6289,7 +6289,7 @@
               <a:pPr>
                 <a:defRPr/>
               </a:pPr>
-              <a:t>5/17/2023</a:t>
+              <a:t>5/25/2023</a:t>
             </a:fld>
             <a:endParaRPr lang="en-US"/>
           </a:p>
@@ -6380,7 +6380,7 @@
               <a:pPr>
                 <a:defRPr/>
               </a:pPr>
-              <a:t>5/17/2023</a:t>
+              <a:t>5/25/2023</a:t>
             </a:fld>
             <a:endParaRPr lang="en-US"/>
           </a:p>
@@ -6489,7 +6489,7 @@
               <a:pPr>
                 <a:defRPr/>
               </a:pPr>
-              <a:t>5/17/2023</a:t>
+              <a:t>5/25/2023</a:t>
             </a:fld>
             <a:endParaRPr lang="en-US"/>
           </a:p>
@@ -6674,7 +6674,7 @@
           <a:p>
             <a:fld id="{344494C4-6097-4BA9-B81C-8FE8D10E85BA}" type="datetimeFigureOut">
               <a:rPr lang="en-US" smtClean="0"/>
-              <a:t>5/17/2023</a:t>
+              <a:t>5/25/2023</a:t>
             </a:fld>
             <a:endParaRPr lang="en-US"/>
           </a:p>
@@ -6858,7 +6858,7 @@
           <a:p>
             <a:fld id="{344494C4-6097-4BA9-B81C-8FE8D10E85BA}" type="datetimeFigureOut">
               <a:rPr lang="en-US" smtClean="0"/>
-              <a:t>5/17/2023</a:t>
+              <a:t>5/25/2023</a:t>
             </a:fld>
             <a:endParaRPr lang="en-US"/>
           </a:p>
@@ -7107,7 +7107,7 @@
               <a:pPr>
                 <a:defRPr/>
               </a:pPr>
-              <a:t>5/17/2023</a:t>
+              <a:t>5/25/2023</a:t>
             </a:fld>
             <a:endParaRPr lang="en-US"/>
           </a:p>
@@ -8361,7 +8361,7 @@
           <a:p>
             <a:fld id="{7BF7D500-1223-4445-9EB2-2C72C770F9EB}" type="datetimeFigureOut">
               <a:rPr lang="en-US" smtClean="0"/>
-              <a:t>5/17/2023</a:t>
+              <a:t>5/25/2023</a:t>
             </a:fld>
             <a:endParaRPr lang="en-US"/>
           </a:p>
@@ -12708,8 +12708,8 @@
           </a:p>
         </p:txBody>
       </p:sp>
-      <mc:AlternateContent xmlns:mc="http://schemas.openxmlformats.org/markup-compatibility/2006">
-        <mc:Choice xmlns:a14="http://schemas.microsoft.com/office/drawing/2010/main" Requires="a14">
+      <mc:AlternateContent xmlns:mc="http://schemas.openxmlformats.org/markup-compatibility/2006" xmlns:a14="http://schemas.microsoft.com/office/drawing/2010/main">
+        <mc:Choice Requires="a14">
           <p:sp>
             <p:nvSpPr>
               <p:cNvPr id="3" name="Content Placeholder 2">
@@ -12805,7 +12805,7 @@
             </p:txBody>
           </p:sp>
         </mc:Choice>
-        <mc:Fallback>
+        <mc:Fallback xmlns="">
           <p:sp>
             <p:nvSpPr>
               <p:cNvPr id="3" name="Content Placeholder 2">
@@ -13359,8 +13359,8 @@
           </a:p>
         </p:txBody>
       </p:sp>
-      <mc:AlternateContent xmlns:mc="http://schemas.openxmlformats.org/markup-compatibility/2006" xmlns:a14="http://schemas.microsoft.com/office/drawing/2010/main">
-        <mc:Choice Requires="a14">
+      <mc:AlternateContent xmlns:mc="http://schemas.openxmlformats.org/markup-compatibility/2006">
+        <mc:Choice xmlns:a14="http://schemas.microsoft.com/office/drawing/2010/main" Requires="a14">
           <p:sp>
             <p:nvSpPr>
               <p:cNvPr id="3" name="Content Placeholder 2">
@@ -13379,8 +13379,8 @@
             </p:nvSpPr>
             <p:spPr>
               <a:xfrm>
-                <a:off x="762000" y="4388069"/>
-                <a:ext cx="10744200" cy="990600"/>
+                <a:off x="762000" y="3733801"/>
+                <a:ext cx="10744200" cy="1752599"/>
               </a:xfrm>
               <a:ln w="12700">
                 <a:solidFill>
@@ -13394,7 +13394,62 @@
               <a:p>
                 <a:r>
                   <a:rPr lang="en-US" dirty="0"/>
-                  <a:t>Claim B:  If node </a:t>
+                  <a:t>Claim B:  If a graph </a:t>
+                </a:r>
+                <a14:m>
+                  <m:oMath xmlns:m="http://schemas.openxmlformats.org/officeDocument/2006/math">
+                    <m:r>
+                      <a:rPr lang="en-US" b="0" i="1" smtClean="0">
+                        <a:latin typeface="Cambria Math" panose="02040503050406030204" pitchFamily="18" charset="0"/>
+                      </a:rPr>
+                      <m:t>𝐺</m:t>
+                    </m:r>
+                    <m:r>
+                      <a:rPr lang="en-US" b="0" i="1" smtClean="0">
+                        <a:latin typeface="Cambria Math" panose="02040503050406030204" pitchFamily="18" charset="0"/>
+                      </a:rPr>
+                      <m:t>=</m:t>
+                    </m:r>
+                    <m:d>
+                      <m:dPr>
+                        <m:ctrlPr>
+                          <a:rPr lang="en-US" b="0" i="1" smtClean="0">
+                            <a:latin typeface="Cambria Math" panose="02040503050406030204" pitchFamily="18" charset="0"/>
+                          </a:rPr>
+                        </m:ctrlPr>
+                      </m:dPr>
+                      <m:e>
+                        <m:r>
+                          <a:rPr lang="en-US" b="0" i="1" smtClean="0">
+                            <a:latin typeface="Cambria Math" panose="02040503050406030204" pitchFamily="18" charset="0"/>
+                          </a:rPr>
+                          <m:t>𝑉</m:t>
+                        </m:r>
+                        <m:r>
+                          <a:rPr lang="en-US" b="0" i="1" smtClean="0">
+                            <a:latin typeface="Cambria Math" panose="02040503050406030204" pitchFamily="18" charset="0"/>
+                          </a:rPr>
+                          <m:t>, </m:t>
+                        </m:r>
+                        <m:r>
+                          <a:rPr lang="en-US" b="0" i="1" smtClean="0">
+                            <a:latin typeface="Cambria Math" panose="02040503050406030204" pitchFamily="18" charset="0"/>
+                          </a:rPr>
+                          <m:t>𝐸</m:t>
+                        </m:r>
+                      </m:e>
+                    </m:d>
+                    <m:r>
+                      <a:rPr lang="en-US" b="0" i="1" smtClean="0">
+                        <a:latin typeface="Cambria Math" panose="02040503050406030204" pitchFamily="18" charset="0"/>
+                      </a:rPr>
+                      <m:t> </m:t>
+                    </m:r>
+                  </m:oMath>
+                </a14:m>
+                <a:r>
+                  <a:rPr lang="en-US" dirty="0"/>
+                  <a:t>does not have cycles, and node </a:t>
                 </a:r>
                 <a14:m>
                   <m:oMath xmlns:m="http://schemas.openxmlformats.org/officeDocument/2006/math">
@@ -13418,25 +13473,17 @@
                       </a:rPr>
                       <m:t>𝑢</m:t>
                     </m:r>
-                  </m:oMath>
-                </a14:m>
-                <a:r>
-                  <a:rPr lang="en-US" dirty="0"/>
-                  <a:t>, but </a:t>
-                </a:r>
-                <a14:m>
-                  <m:oMath xmlns:m="http://schemas.openxmlformats.org/officeDocument/2006/math">
                     <m:r>
-                      <a:rPr lang="en-US" i="1">
+                      <a:rPr lang="en-US" b="0" i="0" smtClean="0">
                         <a:latin typeface="Cambria Math" panose="02040503050406030204" pitchFamily="18" charset="0"/>
                       </a:rPr>
-                      <m:t>𝑢</m:t>
+                      <m:t>, </m:t>
                     </m:r>
                   </m:oMath>
                 </a14:m>
                 <a:r>
                   <a:rPr lang="en-US" dirty="0"/>
-                  <a:t> is not-reachable from </a:t>
+                  <a:t>then finish[</a:t>
                 </a:r>
                 <a14:m>
                   <m:oMath xmlns:m="http://schemas.openxmlformats.org/officeDocument/2006/math">
@@ -13448,24 +13495,6 @@
                     </m:r>
                   </m:oMath>
                 </a14:m>
-                <a:endParaRPr lang="en-US" dirty="0"/>
-              </a:p>
-              <a:p>
-                <a:pPr lvl="1"/>
-                <a:r>
-                  <a:rPr lang="en-US" dirty="0"/>
-                  <a:t>then finish[</a:t>
-                </a:r>
-                <a14:m>
-                  <m:oMath xmlns:m="http://schemas.openxmlformats.org/officeDocument/2006/math">
-                    <m:r>
-                      <a:rPr lang="en-US" b="0" i="1" smtClean="0">
-                        <a:latin typeface="Cambria Math" panose="02040503050406030204" pitchFamily="18" charset="0"/>
-                      </a:rPr>
-                      <m:t>𝑣</m:t>
-                    </m:r>
-                  </m:oMath>
-                </a14:m>
                 <a:r>
                   <a:rPr lang="en-US" dirty="0"/>
                   <a:t>] </a:t>
@@ -13497,6 +13526,76 @@
                 <a:r>
                   <a:rPr lang="en-US" dirty="0"/>
                   <a:t>] </a:t>
+                </a:r>
+              </a:p>
+              <a:p>
+                <a:pPr lvl="1"/>
+                <a:r>
+                  <a:rPr lang="en-US" dirty="0"/>
+                  <a:t>In the case that the graph </a:t>
+                </a:r>
+                <a14:m>
+                  <m:oMath xmlns:m="http://schemas.openxmlformats.org/officeDocument/2006/math">
+                    <m:r>
+                      <a:rPr lang="en-US" b="0" i="1" smtClean="0">
+                        <a:latin typeface="Cambria Math" panose="02040503050406030204" pitchFamily="18" charset="0"/>
+                      </a:rPr>
+                      <m:t>𝐺</m:t>
+                    </m:r>
+                    <m:r>
+                      <a:rPr lang="en-US" b="0" i="1" smtClean="0">
+                        <a:latin typeface="Cambria Math" panose="02040503050406030204" pitchFamily="18" charset="0"/>
+                      </a:rPr>
+                      <m:t>=</m:t>
+                    </m:r>
+                    <m:d>
+                      <m:dPr>
+                        <m:ctrlPr>
+                          <a:rPr lang="en-US" b="0" i="1" smtClean="0">
+                            <a:latin typeface="Cambria Math" panose="02040503050406030204" pitchFamily="18" charset="0"/>
+                          </a:rPr>
+                        </m:ctrlPr>
+                      </m:dPr>
+                      <m:e>
+                        <m:r>
+                          <a:rPr lang="en-US" b="0" i="1" smtClean="0">
+                            <a:latin typeface="Cambria Math" panose="02040503050406030204" pitchFamily="18" charset="0"/>
+                          </a:rPr>
+                          <m:t>𝑉</m:t>
+                        </m:r>
+                        <m:r>
+                          <a:rPr lang="en-US" b="0" i="1" smtClean="0">
+                            <a:latin typeface="Cambria Math" panose="02040503050406030204" pitchFamily="18" charset="0"/>
+                          </a:rPr>
+                          <m:t>,</m:t>
+                        </m:r>
+                        <m:r>
+                          <a:rPr lang="en-US" b="0" i="1" smtClean="0">
+                            <a:latin typeface="Cambria Math" panose="02040503050406030204" pitchFamily="18" charset="0"/>
+                          </a:rPr>
+                          <m:t>𝐸</m:t>
+                        </m:r>
+                      </m:e>
+                    </m:d>
+                  </m:oMath>
+                </a14:m>
+                <a:r>
+                  <a:rPr lang="en-US" dirty="0"/>
+                  <a:t> is a directed graph, then we mean if </a:t>
+                </a:r>
+                <a14:m>
+                  <m:oMath xmlns:m="http://schemas.openxmlformats.org/officeDocument/2006/math">
+                    <m:r>
+                      <a:rPr lang="en-US" i="1" dirty="0" smtClean="0">
+                        <a:latin typeface="Cambria Math" panose="02040503050406030204" pitchFamily="18" charset="0"/>
+                      </a:rPr>
+                      <m:t>𝐺</m:t>
+                    </m:r>
+                  </m:oMath>
+                </a14:m>
+                <a:r>
+                  <a:rPr lang="en-US" dirty="0"/>
+                  <a:t> does not have directed cycles. </a:t>
                 </a:r>
               </a:p>
               <a:p>
@@ -13510,7 +13609,7 @@
             </p:txBody>
           </p:sp>
         </mc:Choice>
-        <mc:Fallback xmlns="">
+        <mc:Fallback>
           <p:sp>
             <p:nvSpPr>
               <p:cNvPr id="3" name="Content Placeholder 2">
@@ -13529,13 +13628,13 @@
             </p:nvSpPr>
             <p:spPr>
               <a:xfrm>
-                <a:off x="762000" y="4388069"/>
-                <a:ext cx="10744200" cy="990600"/>
+                <a:off x="762000" y="3733801"/>
+                <a:ext cx="10744200" cy="1752599"/>
               </a:xfrm>
               <a:blipFill>
                 <a:blip r:embed="rId2"/>
                 <a:stretch>
-                  <a:fillRect l="-453" t="-4878" b="-3659"/>
+                  <a:fillRect l="-453" t="-3114" r="-1190" b="-1038"/>
                 </a:stretch>
               </a:blipFill>
               <a:ln w="12700">
@@ -13559,8 +13658,8 @@
           </p:sp>
         </mc:Fallback>
       </mc:AlternateContent>
-      <mc:AlternateContent xmlns:mc="http://schemas.openxmlformats.org/markup-compatibility/2006" xmlns:a14="http://schemas.microsoft.com/office/drawing/2010/main">
-        <mc:Choice Requires="a14">
+      <mc:AlternateContent xmlns:mc="http://schemas.openxmlformats.org/markup-compatibility/2006">
+        <mc:Choice xmlns:a14="http://schemas.microsoft.com/office/drawing/2010/main" Requires="a14">
           <p:sp>
             <p:nvSpPr>
               <p:cNvPr id="4" name="Content Placeholder 2">
@@ -13578,7 +13677,7 @@
             <p:spPr bwMode="auto">
               <a:xfrm>
                 <a:off x="762000" y="1447800"/>
-                <a:ext cx="9438290" cy="2362200"/>
+                <a:ext cx="9438290" cy="1676400"/>
               </a:xfrm>
               <a:prstGeom prst="rect">
                 <a:avLst/>
@@ -13856,7 +13955,67 @@
                 <a:pPr lvl="1"/>
                 <a:r>
                   <a:rPr lang="en-US" dirty="0"/>
-                  <a:t>If start[</a:t>
+                  <a:t>If while exploring </a:t>
+                </a:r>
+                <a14:m>
+                  <m:oMath xmlns:m="http://schemas.openxmlformats.org/officeDocument/2006/math">
+                    <m:r>
+                      <a:rPr lang="en-US" i="1" dirty="0" smtClean="0">
+                        <a:latin typeface="Cambria Math" panose="02040503050406030204" pitchFamily="18" charset="0"/>
+                      </a:rPr>
+                      <m:t>𝑢</m:t>
+                    </m:r>
+                  </m:oMath>
+                </a14:m>
+                <a:r>
+                  <a:rPr lang="en-US" dirty="0"/>
+                  <a:t> we reached </a:t>
+                </a:r>
+                <a14:m>
+                  <m:oMath xmlns:m="http://schemas.openxmlformats.org/officeDocument/2006/math">
+                    <m:r>
+                      <a:rPr lang="en-US" i="1" dirty="0" smtClean="0">
+                        <a:latin typeface="Cambria Math" panose="02040503050406030204" pitchFamily="18" charset="0"/>
+                      </a:rPr>
+                      <m:t>𝑣</m:t>
+                    </m:r>
+                  </m:oMath>
+                </a14:m>
+                <a:r>
+                  <a:rPr lang="en-US" dirty="0"/>
+                  <a:t>,  then the exploration of </a:t>
+                </a:r>
+                <a14:m>
+                  <m:oMath xmlns:m="http://schemas.openxmlformats.org/officeDocument/2006/math">
+                    <m:r>
+                      <a:rPr lang="en-US" b="0" i="1" smtClean="0">
+                        <a:latin typeface="Cambria Math" panose="02040503050406030204" pitchFamily="18" charset="0"/>
+                      </a:rPr>
+                      <m:t>𝑣</m:t>
+                    </m:r>
+                  </m:oMath>
+                </a14:m>
+                <a:r>
+                  <a:rPr lang="en-US" dirty="0"/>
+                  <a:t> has to be done first before we finish exploring </a:t>
+                </a:r>
+                <a14:m>
+                  <m:oMath xmlns:m="http://schemas.openxmlformats.org/officeDocument/2006/math">
+                    <m:r>
+                      <a:rPr lang="en-US" i="1" dirty="0">
+                        <a:latin typeface="Cambria Math" panose="02040503050406030204" pitchFamily="18" charset="0"/>
+                      </a:rPr>
+                      <m:t>𝑢</m:t>
+                    </m:r>
+                  </m:oMath>
+                </a14:m>
+                <a:endParaRPr lang="en-US" dirty="0"/>
+              </a:p>
+              <a:p>
+                <a:pPr lvl="2"/>
+                <a:r>
+                  <a:rPr lang="en-US" dirty="0"/>
+                  <a:t>That is:  start[</a:t>
                 </a:r>
                 <a14:m>
                   <m:oMath xmlns:m="http://schemas.openxmlformats.org/officeDocument/2006/math">
@@ -13898,7 +14057,49 @@
                 </a14:m>
                 <a:r>
                   <a:rPr lang="en-US" dirty="0"/>
-                  <a:t>], meaning we visit </a:t>
+                  <a:t>] </a:t>
+                </a:r>
+                <a14:m>
+                  <m:oMath xmlns:m="http://schemas.openxmlformats.org/officeDocument/2006/math">
+                    <m:r>
+                      <a:rPr lang="en-US" i="1">
+                        <a:latin typeface="Cambria Math" panose="02040503050406030204" pitchFamily="18" charset="0"/>
+                      </a:rPr>
+                      <m:t>≤</m:t>
+                    </m:r>
+                  </m:oMath>
+                </a14:m>
+                <a:r>
+                  <a:rPr lang="en-US" dirty="0"/>
+                  <a:t> finish[</a:t>
+                </a:r>
+                <a14:m>
+                  <m:oMath xmlns:m="http://schemas.openxmlformats.org/officeDocument/2006/math">
+                    <m:r>
+                      <a:rPr lang="en-US" i="1">
+                        <a:latin typeface="Cambria Math" panose="02040503050406030204" pitchFamily="18" charset="0"/>
+                      </a:rPr>
+                      <m:t>𝑣</m:t>
+                    </m:r>
+                  </m:oMath>
+                </a14:m>
+                <a:r>
+                  <a:rPr lang="en-US" dirty="0"/>
+                  <a:t>] </a:t>
+                </a:r>
+                <a14:m>
+                  <m:oMath xmlns:m="http://schemas.openxmlformats.org/officeDocument/2006/math">
+                    <m:r>
+                      <a:rPr lang="en-US" i="1">
+                        <a:latin typeface="Cambria Math" panose="02040503050406030204" pitchFamily="18" charset="0"/>
+                      </a:rPr>
+                      <m:t>≤</m:t>
+                    </m:r>
+                  </m:oMath>
+                </a14:m>
+                <a:r>
+                  <a:rPr lang="en-US" dirty="0"/>
+                  <a:t> finish[</a:t>
                 </a:r>
                 <a14:m>
                   <m:oMath xmlns:m="http://schemas.openxmlformats.org/officeDocument/2006/math">
@@ -13912,165 +14113,8 @@
                 </a14:m>
                 <a:r>
                   <a:rPr lang="en-US" dirty="0"/>
-                  <a:t> first. </a:t>
-                </a:r>
-              </a:p>
-              <a:p>
-                <a:pPr lvl="2"/>
-                <a:r>
-                  <a:rPr lang="en-US" dirty="0"/>
-                  <a:t>then start[</a:t>
-                </a:r>
-                <a14:m>
-                  <m:oMath xmlns:m="http://schemas.openxmlformats.org/officeDocument/2006/math">
-                    <m:r>
-                      <a:rPr lang="en-US" i="1">
-                        <a:latin typeface="Cambria Math" panose="02040503050406030204" pitchFamily="18" charset="0"/>
-                      </a:rPr>
-                      <m:t>𝑢</m:t>
-                    </m:r>
-                  </m:oMath>
-                </a14:m>
-                <a:r>
-                  <a:rPr lang="en-US" dirty="0"/>
                   <a:t>] </a:t>
                 </a:r>
-                <a14:m>
-                  <m:oMath xmlns:m="http://schemas.openxmlformats.org/officeDocument/2006/math">
-                    <m:r>
-                      <a:rPr lang="en-US" i="1">
-                        <a:latin typeface="Cambria Math" panose="02040503050406030204" pitchFamily="18" charset="0"/>
-                      </a:rPr>
-                      <m:t>≤</m:t>
-                    </m:r>
-                  </m:oMath>
-                </a14:m>
-                <a:r>
-                  <a:rPr lang="en-US" dirty="0"/>
-                  <a:t> start[</a:t>
-                </a:r>
-                <a14:m>
-                  <m:oMath xmlns:m="http://schemas.openxmlformats.org/officeDocument/2006/math">
-                    <m:r>
-                      <a:rPr lang="en-US" i="1">
-                        <a:latin typeface="Cambria Math" panose="02040503050406030204" pitchFamily="18" charset="0"/>
-                      </a:rPr>
-                      <m:t>𝑣</m:t>
-                    </m:r>
-                  </m:oMath>
-                </a14:m>
-                <a:r>
-                  <a:rPr lang="en-US" dirty="0"/>
-                  <a:t>] </a:t>
-                </a:r>
-                <a14:m>
-                  <m:oMath xmlns:m="http://schemas.openxmlformats.org/officeDocument/2006/math">
-                    <m:r>
-                      <a:rPr lang="en-US" i="1">
-                        <a:latin typeface="Cambria Math" panose="02040503050406030204" pitchFamily="18" charset="0"/>
-                      </a:rPr>
-                      <m:t>≤</m:t>
-                    </m:r>
-                  </m:oMath>
-                </a14:m>
-                <a:r>
-                  <a:rPr lang="en-US" dirty="0"/>
-                  <a:t> finish[</a:t>
-                </a:r>
-                <a14:m>
-                  <m:oMath xmlns:m="http://schemas.openxmlformats.org/officeDocument/2006/math">
-                    <m:r>
-                      <a:rPr lang="en-US" i="1">
-                        <a:latin typeface="Cambria Math" panose="02040503050406030204" pitchFamily="18" charset="0"/>
-                      </a:rPr>
-                      <m:t>𝑣</m:t>
-                    </m:r>
-                  </m:oMath>
-                </a14:m>
-                <a:r>
-                  <a:rPr lang="en-US" dirty="0"/>
-                  <a:t>] </a:t>
-                </a:r>
-                <a14:m>
-                  <m:oMath xmlns:m="http://schemas.openxmlformats.org/officeDocument/2006/math">
-                    <m:r>
-                      <a:rPr lang="en-US" i="1">
-                        <a:latin typeface="Cambria Math" panose="02040503050406030204" pitchFamily="18" charset="0"/>
-                      </a:rPr>
-                      <m:t>≤</m:t>
-                    </m:r>
-                  </m:oMath>
-                </a14:m>
-                <a:r>
-                  <a:rPr lang="en-US" dirty="0"/>
-                  <a:t> finish[</a:t>
-                </a:r>
-                <a14:m>
-                  <m:oMath xmlns:m="http://schemas.openxmlformats.org/officeDocument/2006/math">
-                    <m:r>
-                      <a:rPr lang="en-US" i="1">
-                        <a:latin typeface="Cambria Math" panose="02040503050406030204" pitchFamily="18" charset="0"/>
-                      </a:rPr>
-                      <m:t>𝑢</m:t>
-                    </m:r>
-                  </m:oMath>
-                </a14:m>
-                <a:r>
-                  <a:rPr lang="en-US" dirty="0"/>
-                  <a:t>] </a:t>
-                </a:r>
-              </a:p>
-              <a:p>
-                <a:pPr lvl="2"/>
-                <a:r>
-                  <a:rPr lang="en-US" dirty="0"/>
-                  <a:t>Intuitively, when exploring a node </a:t>
-                </a:r>
-                <a14:m>
-                  <m:oMath xmlns:m="http://schemas.openxmlformats.org/officeDocument/2006/math">
-                    <m:r>
-                      <a:rPr lang="en-US" i="1">
-                        <a:latin typeface="Cambria Math" panose="02040503050406030204" pitchFamily="18" charset="0"/>
-                      </a:rPr>
-                      <m:t>𝑢</m:t>
-                    </m:r>
-                    <m:r>
-                      <a:rPr lang="en-US">
-                        <a:latin typeface="Cambria Math" panose="02040503050406030204" pitchFamily="18" charset="0"/>
-                      </a:rPr>
-                      <m:t>, </m:t>
-                    </m:r>
-                  </m:oMath>
-                </a14:m>
-                <a:r>
-                  <a:rPr lang="en-US" dirty="0"/>
-                  <a:t>we will finish the exploration of all reachable nodes from </a:t>
-                </a:r>
-                <a14:m>
-                  <m:oMath xmlns:m="http://schemas.openxmlformats.org/officeDocument/2006/math">
-                    <m:r>
-                      <a:rPr lang="en-US" i="1">
-                        <a:latin typeface="Cambria Math" panose="02040503050406030204" pitchFamily="18" charset="0"/>
-                      </a:rPr>
-                      <m:t>𝑢</m:t>
-                    </m:r>
-                  </m:oMath>
-                </a14:m>
-                <a:r>
-                  <a:rPr lang="en-US" dirty="0"/>
-                  <a:t> (if they are not yet discovered) before we finish exploring </a:t>
-                </a:r>
-                <a14:m>
-                  <m:oMath xmlns:m="http://schemas.openxmlformats.org/officeDocument/2006/math">
-                    <m:r>
-                      <a:rPr lang="en-US" i="1">
-                        <a:latin typeface="Cambria Math" panose="02040503050406030204" pitchFamily="18" charset="0"/>
-                      </a:rPr>
-                      <m:t>𝑢</m:t>
-                    </m:r>
-                  </m:oMath>
-                </a14:m>
-                <a:endParaRPr lang="en-US" dirty="0"/>
               </a:p>
               <a:p>
                 <a:pPr lvl="1"/>
@@ -14083,7 +14127,7 @@
             </p:txBody>
           </p:sp>
         </mc:Choice>
-        <mc:Fallback xmlns="">
+        <mc:Fallback>
           <p:sp>
             <p:nvSpPr>
               <p:cNvPr id="4" name="Content Placeholder 2">
@@ -14101,7 +14145,7 @@
             <p:spPr bwMode="auto">
               <a:xfrm>
                 <a:off x="762000" y="1447800"/>
-                <a:ext cx="9438290" cy="2362200"/>
+                <a:ext cx="9438290" cy="1676400"/>
               </a:xfrm>
               <a:prstGeom prst="rect">
                 <a:avLst/>
@@ -14109,7 +14153,7 @@
               <a:blipFill>
                 <a:blip r:embed="rId3"/>
                 <a:stretch>
-                  <a:fillRect l="-516" t="-2314" r="-387"/>
+                  <a:fillRect l="-516" t="-3249" b="-2527"/>
                 </a:stretch>
               </a:blipFill>
               <a:ln w="12700">
